--- a/presentation/Day4-Session2-EndToEndImplementation.pptx
+++ b/presentation/Day4-Session2-EndToEndImplementation.pptx
@@ -112,7 +112,7 @@
   </p:defaultTextStyle>
   <p:extLst>
     <p:ext uri="{EFAFB233-063F-42B5-8137-9DF3F51BA10A}">
-      <p15:sldGuideLst xmlns:p15="http://schemas.microsoft.com/office/powerpoint/2012/main" xmlns=""/>
+      <p15:sldGuideLst xmlns="" xmlns:p15="http://schemas.microsoft.com/office/powerpoint/2012/main"/>
     </p:ext>
   </p:extLst>
 </p:presentation>
@@ -140,7 +140,7 @@
           <p:cNvPr id="2" name="Title 1">
             <a:extLst>
               <a:ext uri="{FF2B5EF4-FFF2-40B4-BE49-F238E27FC236}">
-                <a16:creationId xmlns:a16="http://schemas.microsoft.com/office/drawing/2014/main" xmlns="" id="{6D6E55CF-1219-41C8-8B58-66B4AF6684B4}"/>
+                <a16:creationId xmlns="" xmlns:a16="http://schemas.microsoft.com/office/drawing/2014/main" id="{6D6E55CF-1219-41C8-8B58-66B4AF6684B4}"/>
               </a:ext>
             </a:extLst>
           </p:cNvPr>
@@ -178,7 +178,7 @@
           <p:cNvPr id="3" name="Subtitle 2">
             <a:extLst>
               <a:ext uri="{FF2B5EF4-FFF2-40B4-BE49-F238E27FC236}">
-                <a16:creationId xmlns:a16="http://schemas.microsoft.com/office/drawing/2014/main" xmlns="" id="{0AF10485-7D8A-498B-9366-1D903D80C807}"/>
+                <a16:creationId xmlns="" xmlns:a16="http://schemas.microsoft.com/office/drawing/2014/main" id="{0AF10485-7D8A-498B-9366-1D903D80C807}"/>
               </a:ext>
             </a:extLst>
           </p:cNvPr>
@@ -249,7 +249,7 @@
           <p:cNvPr id="4" name="Date Placeholder 3">
             <a:extLst>
               <a:ext uri="{FF2B5EF4-FFF2-40B4-BE49-F238E27FC236}">
-                <a16:creationId xmlns:a16="http://schemas.microsoft.com/office/drawing/2014/main" xmlns="" id="{DAE81F86-01F4-4856-BDDF-3D5BC4530DCE}"/>
+                <a16:creationId xmlns="" xmlns:a16="http://schemas.microsoft.com/office/drawing/2014/main" id="{DAE81F86-01F4-4856-BDDF-3D5BC4530DCE}"/>
               </a:ext>
             </a:extLst>
           </p:cNvPr>
@@ -268,7 +268,7 @@
             <a:fld id="{B3B48485-EDEB-4E5A-BB3A-BC2391E627B4}" type="datetimeFigureOut">
               <a:rPr lang="en-IN" smtClean="0"/>
               <a:pPr/>
-              <a:t>18-03-2021</a:t>
+              <a:t>25-03-2021</a:t>
             </a:fld>
             <a:endParaRPr lang="en-IN"/>
           </a:p>
@@ -279,7 +279,7 @@
           <p:cNvPr id="5" name="Footer Placeholder 4">
             <a:extLst>
               <a:ext uri="{FF2B5EF4-FFF2-40B4-BE49-F238E27FC236}">
-                <a16:creationId xmlns:a16="http://schemas.microsoft.com/office/drawing/2014/main" xmlns="" id="{A4FE61DA-C2A5-48CA-9078-1B1D1357E1CF}"/>
+                <a16:creationId xmlns="" xmlns:a16="http://schemas.microsoft.com/office/drawing/2014/main" id="{A4FE61DA-C2A5-48CA-9078-1B1D1357E1CF}"/>
               </a:ext>
             </a:extLst>
           </p:cNvPr>
@@ -304,7 +304,7 @@
           <p:cNvPr id="6" name="Slide Number Placeholder 5">
             <a:extLst>
               <a:ext uri="{FF2B5EF4-FFF2-40B4-BE49-F238E27FC236}">
-                <a16:creationId xmlns:a16="http://schemas.microsoft.com/office/drawing/2014/main" xmlns="" id="{E76FA52B-470F-42FD-87C5-2DE4442DAE07}"/>
+                <a16:creationId xmlns="" xmlns:a16="http://schemas.microsoft.com/office/drawing/2014/main" id="{E76FA52B-470F-42FD-87C5-2DE4442DAE07}"/>
               </a:ext>
             </a:extLst>
           </p:cNvPr>
@@ -332,7 +332,7 @@
     </p:spTree>
     <p:extLst>
       <p:ext uri="{BB962C8B-B14F-4D97-AF65-F5344CB8AC3E}">
-        <p14:creationId xmlns:p14="http://schemas.microsoft.com/office/powerpoint/2010/main" xmlns="" val="826300635"/>
+        <p14:creationId xmlns="" xmlns:p14="http://schemas.microsoft.com/office/powerpoint/2010/main" val="826300635"/>
       </p:ext>
     </p:extLst>
   </p:cSld>
@@ -364,7 +364,7 @@
           <p:cNvPr id="2" name="Title 1">
             <a:extLst>
               <a:ext uri="{FF2B5EF4-FFF2-40B4-BE49-F238E27FC236}">
-                <a16:creationId xmlns:a16="http://schemas.microsoft.com/office/drawing/2014/main" xmlns="" id="{2932E5AF-B45E-4818-B164-190A701E1929}"/>
+                <a16:creationId xmlns="" xmlns:a16="http://schemas.microsoft.com/office/drawing/2014/main" id="{2932E5AF-B45E-4818-B164-190A701E1929}"/>
               </a:ext>
             </a:extLst>
           </p:cNvPr>
@@ -393,7 +393,7 @@
           <p:cNvPr id="3" name="Vertical Text Placeholder 2">
             <a:extLst>
               <a:ext uri="{FF2B5EF4-FFF2-40B4-BE49-F238E27FC236}">
-                <a16:creationId xmlns:a16="http://schemas.microsoft.com/office/drawing/2014/main" xmlns="" id="{C95DC0C4-24D8-4EA1-A46C-DEAB571DBC73}"/>
+                <a16:creationId xmlns="" xmlns:a16="http://schemas.microsoft.com/office/drawing/2014/main" id="{C95DC0C4-24D8-4EA1-A46C-DEAB571DBC73}"/>
               </a:ext>
             </a:extLst>
           </p:cNvPr>
@@ -451,7 +451,7 @@
           <p:cNvPr id="4" name="Date Placeholder 3">
             <a:extLst>
               <a:ext uri="{FF2B5EF4-FFF2-40B4-BE49-F238E27FC236}">
-                <a16:creationId xmlns:a16="http://schemas.microsoft.com/office/drawing/2014/main" xmlns="" id="{953E1C6E-7D45-4DE3-A51D-3441C948032F}"/>
+                <a16:creationId xmlns="" xmlns:a16="http://schemas.microsoft.com/office/drawing/2014/main" id="{953E1C6E-7D45-4DE3-A51D-3441C948032F}"/>
               </a:ext>
             </a:extLst>
           </p:cNvPr>
@@ -470,7 +470,7 @@
             <a:fld id="{B3B48485-EDEB-4E5A-BB3A-BC2391E627B4}" type="datetimeFigureOut">
               <a:rPr lang="en-IN" smtClean="0"/>
               <a:pPr/>
-              <a:t>18-03-2021</a:t>
+              <a:t>25-03-2021</a:t>
             </a:fld>
             <a:endParaRPr lang="en-IN"/>
           </a:p>
@@ -481,7 +481,7 @@
           <p:cNvPr id="5" name="Footer Placeholder 4">
             <a:extLst>
               <a:ext uri="{FF2B5EF4-FFF2-40B4-BE49-F238E27FC236}">
-                <a16:creationId xmlns:a16="http://schemas.microsoft.com/office/drawing/2014/main" xmlns="" id="{22B068A0-6236-4080-8D00-67A59EB0969B}"/>
+                <a16:creationId xmlns="" xmlns:a16="http://schemas.microsoft.com/office/drawing/2014/main" id="{22B068A0-6236-4080-8D00-67A59EB0969B}"/>
               </a:ext>
             </a:extLst>
           </p:cNvPr>
@@ -506,7 +506,7 @@
           <p:cNvPr id="6" name="Slide Number Placeholder 5">
             <a:extLst>
               <a:ext uri="{FF2B5EF4-FFF2-40B4-BE49-F238E27FC236}">
-                <a16:creationId xmlns:a16="http://schemas.microsoft.com/office/drawing/2014/main" xmlns="" id="{ABCBE01B-9213-429F-AB43-BDE1C077E454}"/>
+                <a16:creationId xmlns="" xmlns:a16="http://schemas.microsoft.com/office/drawing/2014/main" id="{ABCBE01B-9213-429F-AB43-BDE1C077E454}"/>
               </a:ext>
             </a:extLst>
           </p:cNvPr>
@@ -534,7 +534,7 @@
     </p:spTree>
     <p:extLst>
       <p:ext uri="{BB962C8B-B14F-4D97-AF65-F5344CB8AC3E}">
-        <p14:creationId xmlns:p14="http://schemas.microsoft.com/office/powerpoint/2010/main" xmlns="" val="2531736592"/>
+        <p14:creationId xmlns="" xmlns:p14="http://schemas.microsoft.com/office/powerpoint/2010/main" val="2531736592"/>
       </p:ext>
     </p:extLst>
   </p:cSld>
@@ -566,7 +566,7 @@
           <p:cNvPr id="2" name="Vertical Title 1">
             <a:extLst>
               <a:ext uri="{FF2B5EF4-FFF2-40B4-BE49-F238E27FC236}">
-                <a16:creationId xmlns:a16="http://schemas.microsoft.com/office/drawing/2014/main" xmlns="" id="{F0AC38E8-2FE5-4B4A-8A03-A2A65362F6AE}"/>
+                <a16:creationId xmlns="" xmlns:a16="http://schemas.microsoft.com/office/drawing/2014/main" id="{F0AC38E8-2FE5-4B4A-8A03-A2A65362F6AE}"/>
               </a:ext>
             </a:extLst>
           </p:cNvPr>
@@ -600,7 +600,7 @@
           <p:cNvPr id="3" name="Vertical Text Placeholder 2">
             <a:extLst>
               <a:ext uri="{FF2B5EF4-FFF2-40B4-BE49-F238E27FC236}">
-                <a16:creationId xmlns:a16="http://schemas.microsoft.com/office/drawing/2014/main" xmlns="" id="{3244DB88-E0DF-4E2B-82D6-411109557F40}"/>
+                <a16:creationId xmlns="" xmlns:a16="http://schemas.microsoft.com/office/drawing/2014/main" id="{3244DB88-E0DF-4E2B-82D6-411109557F40}"/>
               </a:ext>
             </a:extLst>
           </p:cNvPr>
@@ -663,7 +663,7 @@
           <p:cNvPr id="4" name="Date Placeholder 3">
             <a:extLst>
               <a:ext uri="{FF2B5EF4-FFF2-40B4-BE49-F238E27FC236}">
-                <a16:creationId xmlns:a16="http://schemas.microsoft.com/office/drawing/2014/main" xmlns="" id="{D5C84BC7-18AF-4C06-ACDB-EC2BE129C67A}"/>
+                <a16:creationId xmlns="" xmlns:a16="http://schemas.microsoft.com/office/drawing/2014/main" id="{D5C84BC7-18AF-4C06-ACDB-EC2BE129C67A}"/>
               </a:ext>
             </a:extLst>
           </p:cNvPr>
@@ -682,7 +682,7 @@
             <a:fld id="{B3B48485-EDEB-4E5A-BB3A-BC2391E627B4}" type="datetimeFigureOut">
               <a:rPr lang="en-IN" smtClean="0"/>
               <a:pPr/>
-              <a:t>18-03-2021</a:t>
+              <a:t>25-03-2021</a:t>
             </a:fld>
             <a:endParaRPr lang="en-IN"/>
           </a:p>
@@ -693,7 +693,7 @@
           <p:cNvPr id="5" name="Footer Placeholder 4">
             <a:extLst>
               <a:ext uri="{FF2B5EF4-FFF2-40B4-BE49-F238E27FC236}">
-                <a16:creationId xmlns:a16="http://schemas.microsoft.com/office/drawing/2014/main" xmlns="" id="{5EAB1688-CA98-4102-B67C-0CE7B37198E6}"/>
+                <a16:creationId xmlns="" xmlns:a16="http://schemas.microsoft.com/office/drawing/2014/main" id="{5EAB1688-CA98-4102-B67C-0CE7B37198E6}"/>
               </a:ext>
             </a:extLst>
           </p:cNvPr>
@@ -718,7 +718,7 @@
           <p:cNvPr id="6" name="Slide Number Placeholder 5">
             <a:extLst>
               <a:ext uri="{FF2B5EF4-FFF2-40B4-BE49-F238E27FC236}">
-                <a16:creationId xmlns:a16="http://schemas.microsoft.com/office/drawing/2014/main" xmlns="" id="{F895BB8E-8662-4EF1-A418-E85F60E9E1D6}"/>
+                <a16:creationId xmlns="" xmlns:a16="http://schemas.microsoft.com/office/drawing/2014/main" id="{F895BB8E-8662-4EF1-A418-E85F60E9E1D6}"/>
               </a:ext>
             </a:extLst>
           </p:cNvPr>
@@ -746,7 +746,7 @@
     </p:spTree>
     <p:extLst>
       <p:ext uri="{BB962C8B-B14F-4D97-AF65-F5344CB8AC3E}">
-        <p14:creationId xmlns:p14="http://schemas.microsoft.com/office/powerpoint/2010/main" xmlns="" val="277477182"/>
+        <p14:creationId xmlns="" xmlns:p14="http://schemas.microsoft.com/office/powerpoint/2010/main" val="277477182"/>
       </p:ext>
     </p:extLst>
   </p:cSld>
@@ -778,7 +778,7 @@
           <p:cNvPr id="2" name="Title 1">
             <a:extLst>
               <a:ext uri="{FF2B5EF4-FFF2-40B4-BE49-F238E27FC236}">
-                <a16:creationId xmlns:a16="http://schemas.microsoft.com/office/drawing/2014/main" xmlns="" id="{F0B33D71-9FA6-4C08-ACF0-C53C351DEF28}"/>
+                <a16:creationId xmlns="" xmlns:a16="http://schemas.microsoft.com/office/drawing/2014/main" id="{F0B33D71-9FA6-4C08-ACF0-C53C351DEF28}"/>
               </a:ext>
             </a:extLst>
           </p:cNvPr>
@@ -807,7 +807,7 @@
           <p:cNvPr id="3" name="Content Placeholder 2">
             <a:extLst>
               <a:ext uri="{FF2B5EF4-FFF2-40B4-BE49-F238E27FC236}">
-                <a16:creationId xmlns:a16="http://schemas.microsoft.com/office/drawing/2014/main" xmlns="" id="{EBBEE549-37DB-468D-9476-6B8C1C1FD3ED}"/>
+                <a16:creationId xmlns="" xmlns:a16="http://schemas.microsoft.com/office/drawing/2014/main" id="{EBBEE549-37DB-468D-9476-6B8C1C1FD3ED}"/>
               </a:ext>
             </a:extLst>
           </p:cNvPr>
@@ -865,7 +865,7 @@
           <p:cNvPr id="4" name="Date Placeholder 3">
             <a:extLst>
               <a:ext uri="{FF2B5EF4-FFF2-40B4-BE49-F238E27FC236}">
-                <a16:creationId xmlns:a16="http://schemas.microsoft.com/office/drawing/2014/main" xmlns="" id="{92E0A4DC-7735-47AD-851A-C745996242DD}"/>
+                <a16:creationId xmlns="" xmlns:a16="http://schemas.microsoft.com/office/drawing/2014/main" id="{92E0A4DC-7735-47AD-851A-C745996242DD}"/>
               </a:ext>
             </a:extLst>
           </p:cNvPr>
@@ -884,7 +884,7 @@
             <a:fld id="{B3B48485-EDEB-4E5A-BB3A-BC2391E627B4}" type="datetimeFigureOut">
               <a:rPr lang="en-IN" smtClean="0"/>
               <a:pPr/>
-              <a:t>18-03-2021</a:t>
+              <a:t>25-03-2021</a:t>
             </a:fld>
             <a:endParaRPr lang="en-IN"/>
           </a:p>
@@ -895,7 +895,7 @@
           <p:cNvPr id="5" name="Footer Placeholder 4">
             <a:extLst>
               <a:ext uri="{FF2B5EF4-FFF2-40B4-BE49-F238E27FC236}">
-                <a16:creationId xmlns:a16="http://schemas.microsoft.com/office/drawing/2014/main" xmlns="" id="{26943FBC-A5D1-43BD-9DA0-D398ABDA2C01}"/>
+                <a16:creationId xmlns="" xmlns:a16="http://schemas.microsoft.com/office/drawing/2014/main" id="{26943FBC-A5D1-43BD-9DA0-D398ABDA2C01}"/>
               </a:ext>
             </a:extLst>
           </p:cNvPr>
@@ -920,7 +920,7 @@
           <p:cNvPr id="6" name="Slide Number Placeholder 5">
             <a:extLst>
               <a:ext uri="{FF2B5EF4-FFF2-40B4-BE49-F238E27FC236}">
-                <a16:creationId xmlns:a16="http://schemas.microsoft.com/office/drawing/2014/main" xmlns="" id="{47B12916-2335-483B-94EA-D11851E5B31E}"/>
+                <a16:creationId xmlns="" xmlns:a16="http://schemas.microsoft.com/office/drawing/2014/main" id="{47B12916-2335-483B-94EA-D11851E5B31E}"/>
               </a:ext>
             </a:extLst>
           </p:cNvPr>
@@ -948,7 +948,7 @@
     </p:spTree>
     <p:extLst>
       <p:ext uri="{BB962C8B-B14F-4D97-AF65-F5344CB8AC3E}">
-        <p14:creationId xmlns:p14="http://schemas.microsoft.com/office/powerpoint/2010/main" xmlns="" val="4242056410"/>
+        <p14:creationId xmlns="" xmlns:p14="http://schemas.microsoft.com/office/powerpoint/2010/main" val="4242056410"/>
       </p:ext>
     </p:extLst>
   </p:cSld>
@@ -980,7 +980,7 @@
           <p:cNvPr id="2" name="Title 1">
             <a:extLst>
               <a:ext uri="{FF2B5EF4-FFF2-40B4-BE49-F238E27FC236}">
-                <a16:creationId xmlns:a16="http://schemas.microsoft.com/office/drawing/2014/main" xmlns="" id="{3E063A2F-18F7-4536-99F2-FC8B2759511F}"/>
+                <a16:creationId xmlns="" xmlns:a16="http://schemas.microsoft.com/office/drawing/2014/main" id="{3E063A2F-18F7-4536-99F2-FC8B2759511F}"/>
               </a:ext>
             </a:extLst>
           </p:cNvPr>
@@ -1018,7 +1018,7 @@
           <p:cNvPr id="3" name="Text Placeholder 2">
             <a:extLst>
               <a:ext uri="{FF2B5EF4-FFF2-40B4-BE49-F238E27FC236}">
-                <a16:creationId xmlns:a16="http://schemas.microsoft.com/office/drawing/2014/main" xmlns="" id="{58609D9B-9245-44DC-AC75-443ED57CAA3F}"/>
+                <a16:creationId xmlns="" xmlns:a16="http://schemas.microsoft.com/office/drawing/2014/main" id="{58609D9B-9245-44DC-AC75-443ED57CAA3F}"/>
               </a:ext>
             </a:extLst>
           </p:cNvPr>
@@ -1143,7 +1143,7 @@
           <p:cNvPr id="4" name="Date Placeholder 3">
             <a:extLst>
               <a:ext uri="{FF2B5EF4-FFF2-40B4-BE49-F238E27FC236}">
-                <a16:creationId xmlns:a16="http://schemas.microsoft.com/office/drawing/2014/main" xmlns="" id="{164A991A-C6AB-403A-B977-F46238364B05}"/>
+                <a16:creationId xmlns="" xmlns:a16="http://schemas.microsoft.com/office/drawing/2014/main" id="{164A991A-C6AB-403A-B977-F46238364B05}"/>
               </a:ext>
             </a:extLst>
           </p:cNvPr>
@@ -1162,7 +1162,7 @@
             <a:fld id="{B3B48485-EDEB-4E5A-BB3A-BC2391E627B4}" type="datetimeFigureOut">
               <a:rPr lang="en-IN" smtClean="0"/>
               <a:pPr/>
-              <a:t>18-03-2021</a:t>
+              <a:t>25-03-2021</a:t>
             </a:fld>
             <a:endParaRPr lang="en-IN"/>
           </a:p>
@@ -1173,7 +1173,7 @@
           <p:cNvPr id="5" name="Footer Placeholder 4">
             <a:extLst>
               <a:ext uri="{FF2B5EF4-FFF2-40B4-BE49-F238E27FC236}">
-                <a16:creationId xmlns:a16="http://schemas.microsoft.com/office/drawing/2014/main" xmlns="" id="{234D9759-DC1E-4975-97B2-29C7C3594097}"/>
+                <a16:creationId xmlns="" xmlns:a16="http://schemas.microsoft.com/office/drawing/2014/main" id="{234D9759-DC1E-4975-97B2-29C7C3594097}"/>
               </a:ext>
             </a:extLst>
           </p:cNvPr>
@@ -1198,7 +1198,7 @@
           <p:cNvPr id="6" name="Slide Number Placeholder 5">
             <a:extLst>
               <a:ext uri="{FF2B5EF4-FFF2-40B4-BE49-F238E27FC236}">
-                <a16:creationId xmlns:a16="http://schemas.microsoft.com/office/drawing/2014/main" xmlns="" id="{834CA209-750C-4C8B-B751-3416FE88993B}"/>
+                <a16:creationId xmlns="" xmlns:a16="http://schemas.microsoft.com/office/drawing/2014/main" id="{834CA209-750C-4C8B-B751-3416FE88993B}"/>
               </a:ext>
             </a:extLst>
           </p:cNvPr>
@@ -1226,7 +1226,7 @@
     </p:spTree>
     <p:extLst>
       <p:ext uri="{BB962C8B-B14F-4D97-AF65-F5344CB8AC3E}">
-        <p14:creationId xmlns:p14="http://schemas.microsoft.com/office/powerpoint/2010/main" xmlns="" val="217703254"/>
+        <p14:creationId xmlns="" xmlns:p14="http://schemas.microsoft.com/office/powerpoint/2010/main" val="217703254"/>
       </p:ext>
     </p:extLst>
   </p:cSld>
@@ -1258,7 +1258,7 @@
           <p:cNvPr id="2" name="Title 1">
             <a:extLst>
               <a:ext uri="{FF2B5EF4-FFF2-40B4-BE49-F238E27FC236}">
-                <a16:creationId xmlns:a16="http://schemas.microsoft.com/office/drawing/2014/main" xmlns="" id="{329F4987-E498-4262-9559-D09193AD491F}"/>
+                <a16:creationId xmlns="" xmlns:a16="http://schemas.microsoft.com/office/drawing/2014/main" id="{329F4987-E498-4262-9559-D09193AD491F}"/>
               </a:ext>
             </a:extLst>
           </p:cNvPr>
@@ -1287,7 +1287,7 @@
           <p:cNvPr id="3" name="Content Placeholder 2">
             <a:extLst>
               <a:ext uri="{FF2B5EF4-FFF2-40B4-BE49-F238E27FC236}">
-                <a16:creationId xmlns:a16="http://schemas.microsoft.com/office/drawing/2014/main" xmlns="" id="{E812AE04-584A-4F87-BD3F-2056E4357F29}"/>
+                <a16:creationId xmlns="" xmlns:a16="http://schemas.microsoft.com/office/drawing/2014/main" id="{E812AE04-584A-4F87-BD3F-2056E4357F29}"/>
               </a:ext>
             </a:extLst>
           </p:cNvPr>
@@ -1350,7 +1350,7 @@
           <p:cNvPr id="4" name="Content Placeholder 3">
             <a:extLst>
               <a:ext uri="{FF2B5EF4-FFF2-40B4-BE49-F238E27FC236}">
-                <a16:creationId xmlns:a16="http://schemas.microsoft.com/office/drawing/2014/main" xmlns="" id="{D88D97F2-CC13-4DBD-9769-D973C0E932C5}"/>
+                <a16:creationId xmlns="" xmlns:a16="http://schemas.microsoft.com/office/drawing/2014/main" id="{D88D97F2-CC13-4DBD-9769-D973C0E932C5}"/>
               </a:ext>
             </a:extLst>
           </p:cNvPr>
@@ -1413,7 +1413,7 @@
           <p:cNvPr id="5" name="Date Placeholder 4">
             <a:extLst>
               <a:ext uri="{FF2B5EF4-FFF2-40B4-BE49-F238E27FC236}">
-                <a16:creationId xmlns:a16="http://schemas.microsoft.com/office/drawing/2014/main" xmlns="" id="{AF545AF0-178D-49FD-8D2A-89C0433B65B0}"/>
+                <a16:creationId xmlns="" xmlns:a16="http://schemas.microsoft.com/office/drawing/2014/main" id="{AF545AF0-178D-49FD-8D2A-89C0433B65B0}"/>
               </a:ext>
             </a:extLst>
           </p:cNvPr>
@@ -1432,7 +1432,7 @@
             <a:fld id="{B3B48485-EDEB-4E5A-BB3A-BC2391E627B4}" type="datetimeFigureOut">
               <a:rPr lang="en-IN" smtClean="0"/>
               <a:pPr/>
-              <a:t>18-03-2021</a:t>
+              <a:t>25-03-2021</a:t>
             </a:fld>
             <a:endParaRPr lang="en-IN"/>
           </a:p>
@@ -1443,7 +1443,7 @@
           <p:cNvPr id="6" name="Footer Placeholder 5">
             <a:extLst>
               <a:ext uri="{FF2B5EF4-FFF2-40B4-BE49-F238E27FC236}">
-                <a16:creationId xmlns:a16="http://schemas.microsoft.com/office/drawing/2014/main" xmlns="" id="{745483B5-7D5A-45B3-A598-596291955F94}"/>
+                <a16:creationId xmlns="" xmlns:a16="http://schemas.microsoft.com/office/drawing/2014/main" id="{745483B5-7D5A-45B3-A598-596291955F94}"/>
               </a:ext>
             </a:extLst>
           </p:cNvPr>
@@ -1468,7 +1468,7 @@
           <p:cNvPr id="7" name="Slide Number Placeholder 6">
             <a:extLst>
               <a:ext uri="{FF2B5EF4-FFF2-40B4-BE49-F238E27FC236}">
-                <a16:creationId xmlns:a16="http://schemas.microsoft.com/office/drawing/2014/main" xmlns="" id="{2F9FF5C5-AD43-44E6-80BD-C04A8C6B7CB2}"/>
+                <a16:creationId xmlns="" xmlns:a16="http://schemas.microsoft.com/office/drawing/2014/main" id="{2F9FF5C5-AD43-44E6-80BD-C04A8C6B7CB2}"/>
               </a:ext>
             </a:extLst>
           </p:cNvPr>
@@ -1496,7 +1496,7 @@
     </p:spTree>
     <p:extLst>
       <p:ext uri="{BB962C8B-B14F-4D97-AF65-F5344CB8AC3E}">
-        <p14:creationId xmlns:p14="http://schemas.microsoft.com/office/powerpoint/2010/main" xmlns="" val="1701887551"/>
+        <p14:creationId xmlns="" xmlns:p14="http://schemas.microsoft.com/office/powerpoint/2010/main" val="1701887551"/>
       </p:ext>
     </p:extLst>
   </p:cSld>
@@ -1528,7 +1528,7 @@
           <p:cNvPr id="2" name="Title 1">
             <a:extLst>
               <a:ext uri="{FF2B5EF4-FFF2-40B4-BE49-F238E27FC236}">
-                <a16:creationId xmlns:a16="http://schemas.microsoft.com/office/drawing/2014/main" xmlns="" id="{77715758-23C2-4D79-9E83-D4C691645309}"/>
+                <a16:creationId xmlns="" xmlns:a16="http://schemas.microsoft.com/office/drawing/2014/main" id="{77715758-23C2-4D79-9E83-D4C691645309}"/>
               </a:ext>
             </a:extLst>
           </p:cNvPr>
@@ -1562,7 +1562,7 @@
           <p:cNvPr id="3" name="Text Placeholder 2">
             <a:extLst>
               <a:ext uri="{FF2B5EF4-FFF2-40B4-BE49-F238E27FC236}">
-                <a16:creationId xmlns:a16="http://schemas.microsoft.com/office/drawing/2014/main" xmlns="" id="{C56DBBC0-5F55-4BDB-97E8-9092F9D54613}"/>
+                <a16:creationId xmlns="" xmlns:a16="http://schemas.microsoft.com/office/drawing/2014/main" id="{C56DBBC0-5F55-4BDB-97E8-9092F9D54613}"/>
               </a:ext>
             </a:extLst>
           </p:cNvPr>
@@ -1633,7 +1633,7 @@
           <p:cNvPr id="4" name="Content Placeholder 3">
             <a:extLst>
               <a:ext uri="{FF2B5EF4-FFF2-40B4-BE49-F238E27FC236}">
-                <a16:creationId xmlns:a16="http://schemas.microsoft.com/office/drawing/2014/main" xmlns="" id="{56BBC9E7-1AD9-47BC-A0F5-3419A89AFAF6}"/>
+                <a16:creationId xmlns="" xmlns:a16="http://schemas.microsoft.com/office/drawing/2014/main" id="{56BBC9E7-1AD9-47BC-A0F5-3419A89AFAF6}"/>
               </a:ext>
             </a:extLst>
           </p:cNvPr>
@@ -1696,7 +1696,7 @@
           <p:cNvPr id="5" name="Text Placeholder 4">
             <a:extLst>
               <a:ext uri="{FF2B5EF4-FFF2-40B4-BE49-F238E27FC236}">
-                <a16:creationId xmlns:a16="http://schemas.microsoft.com/office/drawing/2014/main" xmlns="" id="{644AA541-9D84-43E6-93AC-26ACD49AB872}"/>
+                <a16:creationId xmlns="" xmlns:a16="http://schemas.microsoft.com/office/drawing/2014/main" id="{644AA541-9D84-43E6-93AC-26ACD49AB872}"/>
               </a:ext>
             </a:extLst>
           </p:cNvPr>
@@ -1767,7 +1767,7 @@
           <p:cNvPr id="6" name="Content Placeholder 5">
             <a:extLst>
               <a:ext uri="{FF2B5EF4-FFF2-40B4-BE49-F238E27FC236}">
-                <a16:creationId xmlns:a16="http://schemas.microsoft.com/office/drawing/2014/main" xmlns="" id="{A3CA9F41-1D69-40B0-BB52-67C7B312F329}"/>
+                <a16:creationId xmlns="" xmlns:a16="http://schemas.microsoft.com/office/drawing/2014/main" id="{A3CA9F41-1D69-40B0-BB52-67C7B312F329}"/>
               </a:ext>
             </a:extLst>
           </p:cNvPr>
@@ -1830,7 +1830,7 @@
           <p:cNvPr id="7" name="Date Placeholder 6">
             <a:extLst>
               <a:ext uri="{FF2B5EF4-FFF2-40B4-BE49-F238E27FC236}">
-                <a16:creationId xmlns:a16="http://schemas.microsoft.com/office/drawing/2014/main" xmlns="" id="{9960EBD2-2B98-43A1-B284-EDEE62651BD0}"/>
+                <a16:creationId xmlns="" xmlns:a16="http://schemas.microsoft.com/office/drawing/2014/main" id="{9960EBD2-2B98-43A1-B284-EDEE62651BD0}"/>
               </a:ext>
             </a:extLst>
           </p:cNvPr>
@@ -1849,7 +1849,7 @@
             <a:fld id="{B3B48485-EDEB-4E5A-BB3A-BC2391E627B4}" type="datetimeFigureOut">
               <a:rPr lang="en-IN" smtClean="0"/>
               <a:pPr/>
-              <a:t>18-03-2021</a:t>
+              <a:t>25-03-2021</a:t>
             </a:fld>
             <a:endParaRPr lang="en-IN"/>
           </a:p>
@@ -1860,7 +1860,7 @@
           <p:cNvPr id="8" name="Footer Placeholder 7">
             <a:extLst>
               <a:ext uri="{FF2B5EF4-FFF2-40B4-BE49-F238E27FC236}">
-                <a16:creationId xmlns:a16="http://schemas.microsoft.com/office/drawing/2014/main" xmlns="" id="{5E18D130-C756-42B5-A702-84186DC7B801}"/>
+                <a16:creationId xmlns="" xmlns:a16="http://schemas.microsoft.com/office/drawing/2014/main" id="{5E18D130-C756-42B5-A702-84186DC7B801}"/>
               </a:ext>
             </a:extLst>
           </p:cNvPr>
@@ -1885,7 +1885,7 @@
           <p:cNvPr id="9" name="Slide Number Placeholder 8">
             <a:extLst>
               <a:ext uri="{FF2B5EF4-FFF2-40B4-BE49-F238E27FC236}">
-                <a16:creationId xmlns:a16="http://schemas.microsoft.com/office/drawing/2014/main" xmlns="" id="{FC1C5564-0948-403D-A11A-0363F3B8A9E1}"/>
+                <a16:creationId xmlns="" xmlns:a16="http://schemas.microsoft.com/office/drawing/2014/main" id="{FC1C5564-0948-403D-A11A-0363F3B8A9E1}"/>
               </a:ext>
             </a:extLst>
           </p:cNvPr>
@@ -1913,7 +1913,7 @@
     </p:spTree>
     <p:extLst>
       <p:ext uri="{BB962C8B-B14F-4D97-AF65-F5344CB8AC3E}">
-        <p14:creationId xmlns:p14="http://schemas.microsoft.com/office/powerpoint/2010/main" xmlns="" val="3197723347"/>
+        <p14:creationId xmlns="" xmlns:p14="http://schemas.microsoft.com/office/powerpoint/2010/main" val="3197723347"/>
       </p:ext>
     </p:extLst>
   </p:cSld>
@@ -1945,7 +1945,7 @@
           <p:cNvPr id="2" name="Title 1">
             <a:extLst>
               <a:ext uri="{FF2B5EF4-FFF2-40B4-BE49-F238E27FC236}">
-                <a16:creationId xmlns:a16="http://schemas.microsoft.com/office/drawing/2014/main" xmlns="" id="{B5B07483-06BC-40D1-A55A-6128B568F6EA}"/>
+                <a16:creationId xmlns="" xmlns:a16="http://schemas.microsoft.com/office/drawing/2014/main" id="{B5B07483-06BC-40D1-A55A-6128B568F6EA}"/>
               </a:ext>
             </a:extLst>
           </p:cNvPr>
@@ -1974,7 +1974,7 @@
           <p:cNvPr id="3" name="Date Placeholder 2">
             <a:extLst>
               <a:ext uri="{FF2B5EF4-FFF2-40B4-BE49-F238E27FC236}">
-                <a16:creationId xmlns:a16="http://schemas.microsoft.com/office/drawing/2014/main" xmlns="" id="{BBF2182A-79CE-45F7-8387-6C454837E86A}"/>
+                <a16:creationId xmlns="" xmlns:a16="http://schemas.microsoft.com/office/drawing/2014/main" id="{BBF2182A-79CE-45F7-8387-6C454837E86A}"/>
               </a:ext>
             </a:extLst>
           </p:cNvPr>
@@ -1993,7 +1993,7 @@
             <a:fld id="{B3B48485-EDEB-4E5A-BB3A-BC2391E627B4}" type="datetimeFigureOut">
               <a:rPr lang="en-IN" smtClean="0"/>
               <a:pPr/>
-              <a:t>18-03-2021</a:t>
+              <a:t>25-03-2021</a:t>
             </a:fld>
             <a:endParaRPr lang="en-IN"/>
           </a:p>
@@ -2004,7 +2004,7 @@
           <p:cNvPr id="4" name="Footer Placeholder 3">
             <a:extLst>
               <a:ext uri="{FF2B5EF4-FFF2-40B4-BE49-F238E27FC236}">
-                <a16:creationId xmlns:a16="http://schemas.microsoft.com/office/drawing/2014/main" xmlns="" id="{452DB040-5280-425A-B483-26C0059E8C07}"/>
+                <a16:creationId xmlns="" xmlns:a16="http://schemas.microsoft.com/office/drawing/2014/main" id="{452DB040-5280-425A-B483-26C0059E8C07}"/>
               </a:ext>
             </a:extLst>
           </p:cNvPr>
@@ -2029,7 +2029,7 @@
           <p:cNvPr id="5" name="Slide Number Placeholder 4">
             <a:extLst>
               <a:ext uri="{FF2B5EF4-FFF2-40B4-BE49-F238E27FC236}">
-                <a16:creationId xmlns:a16="http://schemas.microsoft.com/office/drawing/2014/main" xmlns="" id="{97BBA076-5D8E-41FA-9AF0-F0AF4DAB7321}"/>
+                <a16:creationId xmlns="" xmlns:a16="http://schemas.microsoft.com/office/drawing/2014/main" id="{97BBA076-5D8E-41FA-9AF0-F0AF4DAB7321}"/>
               </a:ext>
             </a:extLst>
           </p:cNvPr>
@@ -2057,7 +2057,7 @@
     </p:spTree>
     <p:extLst>
       <p:ext uri="{BB962C8B-B14F-4D97-AF65-F5344CB8AC3E}">
-        <p14:creationId xmlns:p14="http://schemas.microsoft.com/office/powerpoint/2010/main" xmlns="" val="183937159"/>
+        <p14:creationId xmlns="" xmlns:p14="http://schemas.microsoft.com/office/powerpoint/2010/main" val="183937159"/>
       </p:ext>
     </p:extLst>
   </p:cSld>
@@ -2089,7 +2089,7 @@
           <p:cNvPr id="2" name="Date Placeholder 1">
             <a:extLst>
               <a:ext uri="{FF2B5EF4-FFF2-40B4-BE49-F238E27FC236}">
-                <a16:creationId xmlns:a16="http://schemas.microsoft.com/office/drawing/2014/main" xmlns="" id="{78D1A081-B71C-4345-89F8-9CC0E8E6C347}"/>
+                <a16:creationId xmlns="" xmlns:a16="http://schemas.microsoft.com/office/drawing/2014/main" id="{78D1A081-B71C-4345-89F8-9CC0E8E6C347}"/>
               </a:ext>
             </a:extLst>
           </p:cNvPr>
@@ -2108,7 +2108,7 @@
             <a:fld id="{B3B48485-EDEB-4E5A-BB3A-BC2391E627B4}" type="datetimeFigureOut">
               <a:rPr lang="en-IN" smtClean="0"/>
               <a:pPr/>
-              <a:t>18-03-2021</a:t>
+              <a:t>25-03-2021</a:t>
             </a:fld>
             <a:endParaRPr lang="en-IN"/>
           </a:p>
@@ -2119,7 +2119,7 @@
           <p:cNvPr id="3" name="Footer Placeholder 2">
             <a:extLst>
               <a:ext uri="{FF2B5EF4-FFF2-40B4-BE49-F238E27FC236}">
-                <a16:creationId xmlns:a16="http://schemas.microsoft.com/office/drawing/2014/main" xmlns="" id="{1CF222AE-D850-4966-A9FD-C25F7B3DCF57}"/>
+                <a16:creationId xmlns="" xmlns:a16="http://schemas.microsoft.com/office/drawing/2014/main" id="{1CF222AE-D850-4966-A9FD-C25F7B3DCF57}"/>
               </a:ext>
             </a:extLst>
           </p:cNvPr>
@@ -2144,7 +2144,7 @@
           <p:cNvPr id="4" name="Slide Number Placeholder 3">
             <a:extLst>
               <a:ext uri="{FF2B5EF4-FFF2-40B4-BE49-F238E27FC236}">
-                <a16:creationId xmlns:a16="http://schemas.microsoft.com/office/drawing/2014/main" xmlns="" id="{27DB98C3-564C-496D-8699-90B1B866059B}"/>
+                <a16:creationId xmlns="" xmlns:a16="http://schemas.microsoft.com/office/drawing/2014/main" id="{27DB98C3-564C-496D-8699-90B1B866059B}"/>
               </a:ext>
             </a:extLst>
           </p:cNvPr>
@@ -2172,7 +2172,7 @@
     </p:spTree>
     <p:extLst>
       <p:ext uri="{BB962C8B-B14F-4D97-AF65-F5344CB8AC3E}">
-        <p14:creationId xmlns:p14="http://schemas.microsoft.com/office/powerpoint/2010/main" xmlns="" val="1846971728"/>
+        <p14:creationId xmlns="" xmlns:p14="http://schemas.microsoft.com/office/powerpoint/2010/main" val="1846971728"/>
       </p:ext>
     </p:extLst>
   </p:cSld>
@@ -2204,7 +2204,7 @@
           <p:cNvPr id="2" name="Title 1">
             <a:extLst>
               <a:ext uri="{FF2B5EF4-FFF2-40B4-BE49-F238E27FC236}">
-                <a16:creationId xmlns:a16="http://schemas.microsoft.com/office/drawing/2014/main" xmlns="" id="{C80FC436-126E-4458-A651-DE1D872BE342}"/>
+                <a16:creationId xmlns="" xmlns:a16="http://schemas.microsoft.com/office/drawing/2014/main" id="{C80FC436-126E-4458-A651-DE1D872BE342}"/>
               </a:ext>
             </a:extLst>
           </p:cNvPr>
@@ -2242,7 +2242,7 @@
           <p:cNvPr id="3" name="Content Placeholder 2">
             <a:extLst>
               <a:ext uri="{FF2B5EF4-FFF2-40B4-BE49-F238E27FC236}">
-                <a16:creationId xmlns:a16="http://schemas.microsoft.com/office/drawing/2014/main" xmlns="" id="{3C76E34A-3D2E-41BA-9394-4CA6D9C3B608}"/>
+                <a16:creationId xmlns="" xmlns:a16="http://schemas.microsoft.com/office/drawing/2014/main" id="{3C76E34A-3D2E-41BA-9394-4CA6D9C3B608}"/>
               </a:ext>
             </a:extLst>
           </p:cNvPr>
@@ -2333,7 +2333,7 @@
           <p:cNvPr id="4" name="Text Placeholder 3">
             <a:extLst>
               <a:ext uri="{FF2B5EF4-FFF2-40B4-BE49-F238E27FC236}">
-                <a16:creationId xmlns:a16="http://schemas.microsoft.com/office/drawing/2014/main" xmlns="" id="{02F80B13-0F72-4E99-BEC1-6E0BE3CF1D78}"/>
+                <a16:creationId xmlns="" xmlns:a16="http://schemas.microsoft.com/office/drawing/2014/main" id="{02F80B13-0F72-4E99-BEC1-6E0BE3CF1D78}"/>
               </a:ext>
             </a:extLst>
           </p:cNvPr>
@@ -2404,7 +2404,7 @@
           <p:cNvPr id="5" name="Date Placeholder 4">
             <a:extLst>
               <a:ext uri="{FF2B5EF4-FFF2-40B4-BE49-F238E27FC236}">
-                <a16:creationId xmlns:a16="http://schemas.microsoft.com/office/drawing/2014/main" xmlns="" id="{8CBFC060-5E9C-455B-AE8D-53ED20C9EC35}"/>
+                <a16:creationId xmlns="" xmlns:a16="http://schemas.microsoft.com/office/drawing/2014/main" id="{8CBFC060-5E9C-455B-AE8D-53ED20C9EC35}"/>
               </a:ext>
             </a:extLst>
           </p:cNvPr>
@@ -2423,7 +2423,7 @@
             <a:fld id="{B3B48485-EDEB-4E5A-BB3A-BC2391E627B4}" type="datetimeFigureOut">
               <a:rPr lang="en-IN" smtClean="0"/>
               <a:pPr/>
-              <a:t>18-03-2021</a:t>
+              <a:t>25-03-2021</a:t>
             </a:fld>
             <a:endParaRPr lang="en-IN"/>
           </a:p>
@@ -2434,7 +2434,7 @@
           <p:cNvPr id="6" name="Footer Placeholder 5">
             <a:extLst>
               <a:ext uri="{FF2B5EF4-FFF2-40B4-BE49-F238E27FC236}">
-                <a16:creationId xmlns:a16="http://schemas.microsoft.com/office/drawing/2014/main" xmlns="" id="{FF7E7918-BF7D-44F8-8F9F-E373996A4505}"/>
+                <a16:creationId xmlns="" xmlns:a16="http://schemas.microsoft.com/office/drawing/2014/main" id="{FF7E7918-BF7D-44F8-8F9F-E373996A4505}"/>
               </a:ext>
             </a:extLst>
           </p:cNvPr>
@@ -2459,7 +2459,7 @@
           <p:cNvPr id="7" name="Slide Number Placeholder 6">
             <a:extLst>
               <a:ext uri="{FF2B5EF4-FFF2-40B4-BE49-F238E27FC236}">
-                <a16:creationId xmlns:a16="http://schemas.microsoft.com/office/drawing/2014/main" xmlns="" id="{FCC38C50-9B37-4DF1-8F28-F241EAB62B3D}"/>
+                <a16:creationId xmlns="" xmlns:a16="http://schemas.microsoft.com/office/drawing/2014/main" id="{FCC38C50-9B37-4DF1-8F28-F241EAB62B3D}"/>
               </a:ext>
             </a:extLst>
           </p:cNvPr>
@@ -2487,7 +2487,7 @@
     </p:spTree>
     <p:extLst>
       <p:ext uri="{BB962C8B-B14F-4D97-AF65-F5344CB8AC3E}">
-        <p14:creationId xmlns:p14="http://schemas.microsoft.com/office/powerpoint/2010/main" xmlns="" val="1035635986"/>
+        <p14:creationId xmlns="" xmlns:p14="http://schemas.microsoft.com/office/powerpoint/2010/main" val="1035635986"/>
       </p:ext>
     </p:extLst>
   </p:cSld>
@@ -2519,7 +2519,7 @@
           <p:cNvPr id="2" name="Title 1">
             <a:extLst>
               <a:ext uri="{FF2B5EF4-FFF2-40B4-BE49-F238E27FC236}">
-                <a16:creationId xmlns:a16="http://schemas.microsoft.com/office/drawing/2014/main" xmlns="" id="{3C5129F5-AD17-404B-A6EC-2DF9ABF90066}"/>
+                <a16:creationId xmlns="" xmlns:a16="http://schemas.microsoft.com/office/drawing/2014/main" id="{3C5129F5-AD17-404B-A6EC-2DF9ABF90066}"/>
               </a:ext>
             </a:extLst>
           </p:cNvPr>
@@ -2557,7 +2557,7 @@
           <p:cNvPr id="3" name="Picture Placeholder 2">
             <a:extLst>
               <a:ext uri="{FF2B5EF4-FFF2-40B4-BE49-F238E27FC236}">
-                <a16:creationId xmlns:a16="http://schemas.microsoft.com/office/drawing/2014/main" xmlns="" id="{F121CD5B-EAF0-456D-93F4-242DBB7EF67E}"/>
+                <a16:creationId xmlns="" xmlns:a16="http://schemas.microsoft.com/office/drawing/2014/main" id="{F121CD5B-EAF0-456D-93F4-242DBB7EF67E}"/>
               </a:ext>
             </a:extLst>
           </p:cNvPr>
@@ -2624,7 +2624,7 @@
           <p:cNvPr id="4" name="Text Placeholder 3">
             <a:extLst>
               <a:ext uri="{FF2B5EF4-FFF2-40B4-BE49-F238E27FC236}">
-                <a16:creationId xmlns:a16="http://schemas.microsoft.com/office/drawing/2014/main" xmlns="" id="{3F900FED-5D0C-4FB1-A607-68E64A974461}"/>
+                <a16:creationId xmlns="" xmlns:a16="http://schemas.microsoft.com/office/drawing/2014/main" id="{3F900FED-5D0C-4FB1-A607-68E64A974461}"/>
               </a:ext>
             </a:extLst>
           </p:cNvPr>
@@ -2695,7 +2695,7 @@
           <p:cNvPr id="5" name="Date Placeholder 4">
             <a:extLst>
               <a:ext uri="{FF2B5EF4-FFF2-40B4-BE49-F238E27FC236}">
-                <a16:creationId xmlns:a16="http://schemas.microsoft.com/office/drawing/2014/main" xmlns="" id="{2D96042A-E778-40B6-87F9-2CB8B95905A1}"/>
+                <a16:creationId xmlns="" xmlns:a16="http://schemas.microsoft.com/office/drawing/2014/main" id="{2D96042A-E778-40B6-87F9-2CB8B95905A1}"/>
               </a:ext>
             </a:extLst>
           </p:cNvPr>
@@ -2714,7 +2714,7 @@
             <a:fld id="{B3B48485-EDEB-4E5A-BB3A-BC2391E627B4}" type="datetimeFigureOut">
               <a:rPr lang="en-IN" smtClean="0"/>
               <a:pPr/>
-              <a:t>18-03-2021</a:t>
+              <a:t>25-03-2021</a:t>
             </a:fld>
             <a:endParaRPr lang="en-IN"/>
           </a:p>
@@ -2725,7 +2725,7 @@
           <p:cNvPr id="6" name="Footer Placeholder 5">
             <a:extLst>
               <a:ext uri="{FF2B5EF4-FFF2-40B4-BE49-F238E27FC236}">
-                <a16:creationId xmlns:a16="http://schemas.microsoft.com/office/drawing/2014/main" xmlns="" id="{19787971-2E19-4C5D-94F0-E4CEF7D1673A}"/>
+                <a16:creationId xmlns="" xmlns:a16="http://schemas.microsoft.com/office/drawing/2014/main" id="{19787971-2E19-4C5D-94F0-E4CEF7D1673A}"/>
               </a:ext>
             </a:extLst>
           </p:cNvPr>
@@ -2750,7 +2750,7 @@
           <p:cNvPr id="7" name="Slide Number Placeholder 6">
             <a:extLst>
               <a:ext uri="{FF2B5EF4-FFF2-40B4-BE49-F238E27FC236}">
-                <a16:creationId xmlns:a16="http://schemas.microsoft.com/office/drawing/2014/main" xmlns="" id="{D8E4E3BF-D202-4868-BA7C-52B27F1BF127}"/>
+                <a16:creationId xmlns="" xmlns:a16="http://schemas.microsoft.com/office/drawing/2014/main" id="{D8E4E3BF-D202-4868-BA7C-52B27F1BF127}"/>
               </a:ext>
             </a:extLst>
           </p:cNvPr>
@@ -2778,7 +2778,7 @@
     </p:spTree>
     <p:extLst>
       <p:ext uri="{BB962C8B-B14F-4D97-AF65-F5344CB8AC3E}">
-        <p14:creationId xmlns:p14="http://schemas.microsoft.com/office/powerpoint/2010/main" xmlns="" val="755423314"/>
+        <p14:creationId xmlns="" xmlns:p14="http://schemas.microsoft.com/office/powerpoint/2010/main" val="755423314"/>
       </p:ext>
     </p:extLst>
   </p:cSld>
@@ -2815,7 +2815,7 @@
           <p:cNvPr id="2" name="Title Placeholder 1">
             <a:extLst>
               <a:ext uri="{FF2B5EF4-FFF2-40B4-BE49-F238E27FC236}">
-                <a16:creationId xmlns:a16="http://schemas.microsoft.com/office/drawing/2014/main" xmlns="" id="{3339DD86-E235-4F02-B9D6-DB6200F293BC}"/>
+                <a16:creationId xmlns="" xmlns:a16="http://schemas.microsoft.com/office/drawing/2014/main" id="{3339DD86-E235-4F02-B9D6-DB6200F293BC}"/>
               </a:ext>
             </a:extLst>
           </p:cNvPr>
@@ -2854,7 +2854,7 @@
           <p:cNvPr id="3" name="Text Placeholder 2">
             <a:extLst>
               <a:ext uri="{FF2B5EF4-FFF2-40B4-BE49-F238E27FC236}">
-                <a16:creationId xmlns:a16="http://schemas.microsoft.com/office/drawing/2014/main" xmlns="" id="{40EC0324-19E9-4A3B-B2A2-C3D9331B6CD8}"/>
+                <a16:creationId xmlns="" xmlns:a16="http://schemas.microsoft.com/office/drawing/2014/main" id="{40EC0324-19E9-4A3B-B2A2-C3D9331B6CD8}"/>
               </a:ext>
             </a:extLst>
           </p:cNvPr>
@@ -2922,7 +2922,7 @@
           <p:cNvPr id="4" name="Date Placeholder 3">
             <a:extLst>
               <a:ext uri="{FF2B5EF4-FFF2-40B4-BE49-F238E27FC236}">
-                <a16:creationId xmlns:a16="http://schemas.microsoft.com/office/drawing/2014/main" xmlns="" id="{C70B1F1D-995C-4D9C-8447-9CCEBBE00A01}"/>
+                <a16:creationId xmlns="" xmlns:a16="http://schemas.microsoft.com/office/drawing/2014/main" id="{C70B1F1D-995C-4D9C-8447-9CCEBBE00A01}"/>
               </a:ext>
             </a:extLst>
           </p:cNvPr>
@@ -2959,7 +2959,7 @@
             <a:fld id="{B3B48485-EDEB-4E5A-BB3A-BC2391E627B4}" type="datetimeFigureOut">
               <a:rPr lang="en-IN" smtClean="0"/>
               <a:pPr/>
-              <a:t>18-03-2021</a:t>
+              <a:t>25-03-2021</a:t>
             </a:fld>
             <a:endParaRPr lang="en-IN"/>
           </a:p>
@@ -2970,7 +2970,7 @@
           <p:cNvPr id="5" name="Footer Placeholder 4">
             <a:extLst>
               <a:ext uri="{FF2B5EF4-FFF2-40B4-BE49-F238E27FC236}">
-                <a16:creationId xmlns:a16="http://schemas.microsoft.com/office/drawing/2014/main" xmlns="" id="{2BEAA717-D969-4E51-B1F1-1BE930E179AC}"/>
+                <a16:creationId xmlns="" xmlns:a16="http://schemas.microsoft.com/office/drawing/2014/main" id="{2BEAA717-D969-4E51-B1F1-1BE930E179AC}"/>
               </a:ext>
             </a:extLst>
           </p:cNvPr>
@@ -3013,7 +3013,7 @@
           <p:cNvPr id="6" name="Slide Number Placeholder 5">
             <a:extLst>
               <a:ext uri="{FF2B5EF4-FFF2-40B4-BE49-F238E27FC236}">
-                <a16:creationId xmlns:a16="http://schemas.microsoft.com/office/drawing/2014/main" xmlns="" id="{DA269EE7-3E26-4A0E-9B5A-FE84B4D0EBE8}"/>
+                <a16:creationId xmlns="" xmlns:a16="http://schemas.microsoft.com/office/drawing/2014/main" id="{DA269EE7-3E26-4A0E-9B5A-FE84B4D0EBE8}"/>
               </a:ext>
             </a:extLst>
           </p:cNvPr>
@@ -3059,7 +3059,7 @@
     </p:spTree>
     <p:extLst>
       <p:ext uri="{BB962C8B-B14F-4D97-AF65-F5344CB8AC3E}">
-        <p14:creationId xmlns:p14="http://schemas.microsoft.com/office/powerpoint/2010/main" xmlns="" val="1856240452"/>
+        <p14:creationId xmlns="" xmlns:p14="http://schemas.microsoft.com/office/powerpoint/2010/main" val="1856240452"/>
       </p:ext>
     </p:extLst>
   </p:cSld>
@@ -3382,7 +3382,7 @@
           <p:cNvPr id="2" name="Title 1">
             <a:extLst>
               <a:ext uri="{FF2B5EF4-FFF2-40B4-BE49-F238E27FC236}">
-                <a16:creationId xmlns:a16="http://schemas.microsoft.com/office/drawing/2014/main" xmlns="" id="{9C67D267-3931-42EE-8A02-E5E64C3D8236}"/>
+                <a16:creationId xmlns="" xmlns:a16="http://schemas.microsoft.com/office/drawing/2014/main" id="{9C67D267-3931-42EE-8A02-E5E64C3D8236}"/>
               </a:ext>
             </a:extLst>
           </p:cNvPr>
@@ -3460,7 +3460,7 @@
           <p:cNvPr id="3" name="Subtitle 2">
             <a:extLst>
               <a:ext uri="{FF2B5EF4-FFF2-40B4-BE49-F238E27FC236}">
-                <a16:creationId xmlns:a16="http://schemas.microsoft.com/office/drawing/2014/main" xmlns="" id="{4959FEE3-B41D-441A-ADEC-C99C8C971605}"/>
+                <a16:creationId xmlns="" xmlns:a16="http://schemas.microsoft.com/office/drawing/2014/main" id="{4959FEE3-B41D-441A-ADEC-C99C8C971605}"/>
               </a:ext>
             </a:extLst>
           </p:cNvPr>
@@ -3552,7 +3552,7 @@
           <p:cNvPr id="4" name="Picture 3">
             <a:extLst>
               <a:ext uri="{FF2B5EF4-FFF2-40B4-BE49-F238E27FC236}">
-                <a16:creationId xmlns="" xmlns:a16="http://schemas.microsoft.com/office/drawing/2014/main" id="{34423507-69B1-4DDE-954A-E8D22BA0C65B}"/>
+                <a16:creationId xmlns:a16="http://schemas.microsoft.com/office/drawing/2014/main" xmlns="" id="{34423507-69B1-4DDE-954A-E8D22BA0C65B}"/>
               </a:ext>
             </a:extLst>
           </p:cNvPr>
@@ -3580,7 +3580,7 @@
     </p:spTree>
     <p:extLst>
       <p:ext uri="{BB962C8B-B14F-4D97-AF65-F5344CB8AC3E}">
-        <p14:creationId xmlns:p14="http://schemas.microsoft.com/office/powerpoint/2010/main" xmlns="" val="332391021"/>
+        <p14:creationId xmlns="" xmlns:p14="http://schemas.microsoft.com/office/powerpoint/2010/main" val="332391021"/>
       </p:ext>
     </p:extLst>
   </p:cSld>
@@ -3612,7 +3612,7 @@
           <p:cNvPr id="2" name="Title 1">
             <a:extLst>
               <a:ext uri="{FF2B5EF4-FFF2-40B4-BE49-F238E27FC236}">
-                <a16:creationId xmlns="" xmlns:a16="http://schemas.microsoft.com/office/drawing/2014/main" id="{1A41D3BD-21ED-4200-A35D-5864E79FFE5E}"/>
+                <a16:creationId xmlns:a16="http://schemas.microsoft.com/office/drawing/2014/main" xmlns="" id="{1A41D3BD-21ED-4200-A35D-5864E79FFE5E}"/>
               </a:ext>
             </a:extLst>
           </p:cNvPr>
@@ -3645,7 +3645,7 @@
           <p:cNvPr id="3" name="Content Placeholder 2">
             <a:extLst>
               <a:ext uri="{FF2B5EF4-FFF2-40B4-BE49-F238E27FC236}">
-                <a16:creationId xmlns="" xmlns:a16="http://schemas.microsoft.com/office/drawing/2014/main" id="{70EAE32C-01B9-4D24-8F7D-680E6749ACEE}"/>
+                <a16:creationId xmlns:a16="http://schemas.microsoft.com/office/drawing/2014/main" xmlns="" id="{70EAE32C-01B9-4D24-8F7D-680E6749ACEE}"/>
               </a:ext>
             </a:extLst>
           </p:cNvPr>
@@ -4098,7 +4098,7 @@
     </p:spTree>
     <p:extLst>
       <p:ext uri="{BB962C8B-B14F-4D97-AF65-F5344CB8AC3E}">
-        <p14:creationId xmlns="" xmlns:p14="http://schemas.microsoft.com/office/powerpoint/2010/main" val="1403244045"/>
+        <p14:creationId xmlns:p14="http://schemas.microsoft.com/office/powerpoint/2010/main" xmlns="" val="1403244045"/>
       </p:ext>
     </p:extLst>
   </p:cSld>
@@ -4130,7 +4130,7 @@
           <p:cNvPr id="2" name="Title 1">
             <a:extLst>
               <a:ext uri="{FF2B5EF4-FFF2-40B4-BE49-F238E27FC236}">
-                <a16:creationId xmlns:a16="http://schemas.microsoft.com/office/drawing/2014/main" xmlns="" id="{1A41D3BD-21ED-4200-A35D-5864E79FFE5E}"/>
+                <a16:creationId xmlns="" xmlns:a16="http://schemas.microsoft.com/office/drawing/2014/main" id="{1A41D3BD-21ED-4200-A35D-5864E79FFE5E}"/>
               </a:ext>
             </a:extLst>
           </p:cNvPr>
@@ -4159,7 +4159,7 @@
           <p:cNvPr id="3" name="Content Placeholder 2">
             <a:extLst>
               <a:ext uri="{FF2B5EF4-FFF2-40B4-BE49-F238E27FC236}">
-                <a16:creationId xmlns:a16="http://schemas.microsoft.com/office/drawing/2014/main" xmlns="" id="{70EAE32C-01B9-4D24-8F7D-680E6749ACEE}"/>
+                <a16:creationId xmlns="" xmlns:a16="http://schemas.microsoft.com/office/drawing/2014/main" id="{70EAE32C-01B9-4D24-8F7D-680E6749ACEE}"/>
               </a:ext>
             </a:extLst>
           </p:cNvPr>
@@ -4224,7 +4224,7 @@
     </p:spTree>
     <p:extLst>
       <p:ext uri="{BB962C8B-B14F-4D97-AF65-F5344CB8AC3E}">
-        <p14:creationId xmlns:p14="http://schemas.microsoft.com/office/powerpoint/2010/main" xmlns="" val="3754997640"/>
+        <p14:creationId xmlns="" xmlns:p14="http://schemas.microsoft.com/office/powerpoint/2010/main" val="3754997640"/>
       </p:ext>
     </p:extLst>
   </p:cSld>
@@ -4256,7 +4256,7 @@
           <p:cNvPr id="2" name="Title 1">
             <a:extLst>
               <a:ext uri="{FF2B5EF4-FFF2-40B4-BE49-F238E27FC236}">
-                <a16:creationId xmlns:a16="http://schemas.microsoft.com/office/drawing/2014/main" xmlns="" id="{E745E232-DB37-4223-BC2A-DB3BA9C1CA14}"/>
+                <a16:creationId xmlns="" xmlns:a16="http://schemas.microsoft.com/office/drawing/2014/main" id="{E745E232-DB37-4223-BC2A-DB3BA9C1CA14}"/>
               </a:ext>
             </a:extLst>
           </p:cNvPr>
@@ -4285,7 +4285,7 @@
           <p:cNvPr id="6" name="Content Placeholder 5">
             <a:extLst>
               <a:ext uri="{FF2B5EF4-FFF2-40B4-BE49-F238E27FC236}">
-                <a16:creationId xmlns:a16="http://schemas.microsoft.com/office/drawing/2014/main" xmlns="" id="{DCC8A11E-43F2-4E89-AA95-6A0765F743C4}"/>
+                <a16:creationId xmlns="" xmlns:a16="http://schemas.microsoft.com/office/drawing/2014/main" id="{DCC8A11E-43F2-4E89-AA95-6A0765F743C4}"/>
               </a:ext>
             </a:extLst>
           </p:cNvPr>
@@ -4389,7 +4389,7 @@
     </p:spTree>
     <p:extLst>
       <p:ext uri="{BB962C8B-B14F-4D97-AF65-F5344CB8AC3E}">
-        <p14:creationId xmlns:p14="http://schemas.microsoft.com/office/powerpoint/2010/main" xmlns="" val="487917123"/>
+        <p14:creationId xmlns="" xmlns:p14="http://schemas.microsoft.com/office/powerpoint/2010/main" val="487917123"/>
       </p:ext>
     </p:extLst>
   </p:cSld>
@@ -4421,7 +4421,7 @@
           <p:cNvPr id="2" name="Title 1">
             <a:extLst>
               <a:ext uri="{FF2B5EF4-FFF2-40B4-BE49-F238E27FC236}">
-                <a16:creationId xmlns:a16="http://schemas.microsoft.com/office/drawing/2014/main" xmlns="" id="{E745E232-DB37-4223-BC2A-DB3BA9C1CA14}"/>
+                <a16:creationId xmlns="" xmlns:a16="http://schemas.microsoft.com/office/drawing/2014/main" id="{E745E232-DB37-4223-BC2A-DB3BA9C1CA14}"/>
               </a:ext>
             </a:extLst>
           </p:cNvPr>
@@ -4439,15 +4439,7 @@
           <a:p>
             <a:r>
               <a:rPr lang="en-IN" b="1" dirty="0" smtClean="0"/>
-              <a:t>End to </a:t>
-            </a:r>
-            <a:r>
-              <a:rPr lang="en-IN" b="1" dirty="0" smtClean="0"/>
-              <a:t>End </a:t>
-            </a:r>
-            <a:r>
-              <a:rPr lang="en-IN" b="1" dirty="0" smtClean="0"/>
-              <a:t>implementation</a:t>
+              <a:t>End to End implementation</a:t>
             </a:r>
             <a:endParaRPr lang="en-IN" b="1" dirty="0"/>
           </a:p>
@@ -4458,7 +4450,7 @@
           <p:cNvPr id="6" name="Content Placeholder 5">
             <a:extLst>
               <a:ext uri="{FF2B5EF4-FFF2-40B4-BE49-F238E27FC236}">
-                <a16:creationId xmlns:a16="http://schemas.microsoft.com/office/drawing/2014/main" xmlns="" id="{DCC8A11E-43F2-4E89-AA95-6A0765F743C4}"/>
+                <a16:creationId xmlns="" xmlns:a16="http://schemas.microsoft.com/office/drawing/2014/main" id="{DCC8A11E-43F2-4E89-AA95-6A0765F743C4}"/>
               </a:ext>
             </a:extLst>
           </p:cNvPr>
@@ -4514,7 +4506,7 @@
     </p:spTree>
     <p:extLst>
       <p:ext uri="{BB962C8B-B14F-4D97-AF65-F5344CB8AC3E}">
-        <p14:creationId xmlns:p14="http://schemas.microsoft.com/office/powerpoint/2010/main" xmlns="" val="487917123"/>
+        <p14:creationId xmlns="" xmlns:p14="http://schemas.microsoft.com/office/powerpoint/2010/main" val="487917123"/>
       </p:ext>
     </p:extLst>
   </p:cSld>
@@ -4589,9 +4581,25 @@
           </a:p>
           <a:p>
             <a:r>
+              <a:rPr lang="en-US" dirty="0" smtClean="0">
+                <a:hlinkClick r:id="rId3"/>
+              </a:rPr>
+              <a:t>https://www.kaggle.com</a:t>
+            </a:r>
+            <a:r>
+              <a:rPr lang="en-US" dirty="0" smtClean="0">
+                <a:hlinkClick r:id="rId3"/>
+              </a:rPr>
+              <a:t>/</a:t>
+            </a:r>
+            <a:endParaRPr lang="en-US" dirty="0" smtClean="0"/>
+          </a:p>
+          <a:p>
+            <a:r>
               <a:rPr lang="en-US" dirty="0" smtClean="0"/>
-              <a:t>https://www.kaggle.com/</a:t>
-            </a:r>
+              <a:t>https://www.youtube.com/watch?v=p_tpQSY1aTs</a:t>
+            </a:r>
+            <a:endParaRPr lang="en-US" dirty="0" smtClean="0"/>
           </a:p>
         </p:txBody>
       </p:sp>
@@ -4625,7 +4633,7 @@
           <p:cNvPr id="2" name="Title 1">
             <a:extLst>
               <a:ext uri="{FF2B5EF4-FFF2-40B4-BE49-F238E27FC236}">
-                <a16:creationId xmlns="" xmlns:a16="http://schemas.microsoft.com/office/drawing/2014/main" id="{0D2FA290-8B3A-4103-A00E-06244A24C22B}"/>
+                <a16:creationId xmlns:a16="http://schemas.microsoft.com/office/drawing/2014/main" xmlns="" id="{0D2FA290-8B3A-4103-A00E-06244A24C22B}"/>
               </a:ext>
             </a:extLst>
           </p:cNvPr>
@@ -4683,7 +4691,7 @@
           <p:cNvPr id="3" name="Subtitle 2">
             <a:extLst>
               <a:ext uri="{FF2B5EF4-FFF2-40B4-BE49-F238E27FC236}">
-                <a16:creationId xmlns="" xmlns:a16="http://schemas.microsoft.com/office/drawing/2014/main" id="{DDB74BFB-7A18-4DF0-8E46-E05235A52D36}"/>
+                <a16:creationId xmlns:a16="http://schemas.microsoft.com/office/drawing/2014/main" xmlns="" id="{DDB74BFB-7A18-4DF0-8E46-E05235A52D36}"/>
               </a:ext>
             </a:extLst>
           </p:cNvPr>
@@ -4777,7 +4785,7 @@
           <p:cNvPr id="4" name="Footer Placeholder 3">
             <a:extLst>
               <a:ext uri="{FF2B5EF4-FFF2-40B4-BE49-F238E27FC236}">
-                <a16:creationId xmlns="" xmlns:a16="http://schemas.microsoft.com/office/drawing/2014/main" id="{5DC57037-1BA5-4CBD-8260-3759DECD79B3}"/>
+                <a16:creationId xmlns:a16="http://schemas.microsoft.com/office/drawing/2014/main" xmlns="" id="{5DC57037-1BA5-4CBD-8260-3759DECD79B3}"/>
               </a:ext>
             </a:extLst>
           </p:cNvPr>
@@ -4822,7 +4830,7 @@
           <p:cNvPr id="5" name="Slide Number Placeholder 4">
             <a:extLst>
               <a:ext uri="{FF2B5EF4-FFF2-40B4-BE49-F238E27FC236}">
-                <a16:creationId xmlns="" xmlns:a16="http://schemas.microsoft.com/office/drawing/2014/main" id="{4B1DA70F-03AB-406E-88DC-93CC074316E2}"/>
+                <a16:creationId xmlns:a16="http://schemas.microsoft.com/office/drawing/2014/main" xmlns="" id="{4B1DA70F-03AB-406E-88DC-93CC074316E2}"/>
               </a:ext>
             </a:extLst>
           </p:cNvPr>
@@ -4858,7 +4866,7 @@
           <p:cNvPr id="7" name="Picture 6">
             <a:extLst>
               <a:ext uri="{FF2B5EF4-FFF2-40B4-BE49-F238E27FC236}">
-                <a16:creationId xmlns="" xmlns:a16="http://schemas.microsoft.com/office/drawing/2014/main" id="{34423507-69B1-4DDE-954A-E8D22BA0C65B}"/>
+                <a16:creationId xmlns:a16="http://schemas.microsoft.com/office/drawing/2014/main" xmlns="" id="{34423507-69B1-4DDE-954A-E8D22BA0C65B}"/>
               </a:ext>
             </a:extLst>
           </p:cNvPr>
@@ -4886,7 +4894,7 @@
     </p:spTree>
     <p:extLst>
       <p:ext uri="{BB962C8B-B14F-4D97-AF65-F5344CB8AC3E}">
-        <p14:creationId xmlns="" xmlns:p14="http://schemas.microsoft.com/office/powerpoint/2010/main" val="2011424736"/>
+        <p14:creationId xmlns:p14="http://schemas.microsoft.com/office/powerpoint/2010/main" xmlns="" val="2011424736"/>
       </p:ext>
     </p:extLst>
   </p:cSld>
@@ -5185,7 +5193,7 @@
   <a:extraClrSchemeLst/>
   <a:extLst>
     <a:ext uri="{05A4C25C-085E-4340-85A3-A5531E510DB2}">
-      <thm15:themeFamily xmlns:thm15="http://schemas.microsoft.com/office/thememl/2012/main" xmlns="" name="Office Theme" id="{62F939B6-93AF-4DB8-9C6B-D6C7DFDC589F}" vid="{4A3C46E8-61CC-4603-A589-7422A47A8E4A}"/>
+      <thm15:themeFamily xmlns="" xmlns:thm15="http://schemas.microsoft.com/office/thememl/2012/main" name="Office Theme" id="{62F939B6-93AF-4DB8-9C6B-D6C7DFDC589F}" vid="{4A3C46E8-61CC-4603-A589-7422A47A8E4A}"/>
     </a:ext>
   </a:extLst>
 </a:theme>
